--- a/Inception_Phase.pptx
+++ b/Inception_Phase.pptx
@@ -65,6 +65,7 @@
     <p:sldId id="316" r:id="rId59"/>
     <p:sldId id="317" r:id="rId60"/>
     <p:sldId id="318" r:id="rId61"/>
+    <p:sldId id="320" r:id="rId62"/>
   </p:sldIdLst>
   <p:sldSz cx="12192000" cy="6858000"/>
   <p:notesSz cx="6858000" cy="9144000"/>
@@ -12897,6 +12898,113 @@
 </p:sld>
 </file>
 
+<file path=ppt/slides/slide61.xml><?xml version="1.0" encoding="utf-8"?>
+<p:sld xmlns:a="http://schemas.openxmlformats.org/drawingml/2006/main" xmlns:r="http://schemas.openxmlformats.org/officeDocument/2006/relationships" xmlns:p="http://schemas.openxmlformats.org/presentationml/2006/main">
+  <p:cSld>
+    <p:spTree>
+      <p:nvGrpSpPr>
+        <p:cNvPr id="1" name=""/>
+        <p:cNvGrpSpPr/>
+        <p:nvPr/>
+      </p:nvGrpSpPr>
+      <p:grpSpPr>
+        <a:xfrm>
+          <a:off x="0" y="0"/>
+          <a:ext cx="0" cy="0"/>
+          <a:chOff x="0" y="0"/>
+          <a:chExt cx="0" cy="0"/>
+        </a:xfrm>
+      </p:grpSpPr>
+      <p:sp>
+        <p:nvSpPr>
+          <p:cNvPr id="2" name="Title 1">
+            <a:extLst>
+              <a:ext uri="{FF2B5EF4-FFF2-40B4-BE49-F238E27FC236}">
+                <a16:creationId xmlns:a16="http://schemas.microsoft.com/office/drawing/2014/main" id="{F0A34FF6-4757-48B1-BDBF-ACDABE13BC58}"/>
+              </a:ext>
+            </a:extLst>
+          </p:cNvPr>
+          <p:cNvSpPr>
+            <a:spLocks noGrp="1"/>
+          </p:cNvSpPr>
+          <p:nvPr>
+            <p:ph type="ctrTitle"/>
+          </p:nvPr>
+        </p:nvSpPr>
+        <p:spPr>
+          <a:xfrm>
+            <a:off x="567302" y="1979802"/>
+            <a:ext cx="11057395" cy="946971"/>
+          </a:xfrm>
+        </p:spPr>
+        <p:txBody>
+          <a:bodyPr>
+            <a:normAutofit/>
+          </a:bodyPr>
+          <a:lstStyle/>
+          <a:p>
+            <a:pPr algn="ctr"/>
+            <a:r>
+              <a:rPr lang="en-US" dirty="0"/>
+              <a:t>Questions?</a:t>
+            </a:r>
+          </a:p>
+        </p:txBody>
+      </p:sp>
+      <p:sp>
+        <p:nvSpPr>
+          <p:cNvPr id="3" name="Subtitle 2">
+            <a:extLst>
+              <a:ext uri="{FF2B5EF4-FFF2-40B4-BE49-F238E27FC236}">
+                <a16:creationId xmlns:a16="http://schemas.microsoft.com/office/drawing/2014/main" id="{F636DC56-77FD-40B9-A847-713087396E83}"/>
+              </a:ext>
+            </a:extLst>
+          </p:cNvPr>
+          <p:cNvSpPr>
+            <a:spLocks noGrp="1"/>
+          </p:cNvSpPr>
+          <p:nvPr>
+            <p:ph type="subTitle" idx="1"/>
+          </p:nvPr>
+        </p:nvSpPr>
+        <p:spPr>
+          <a:xfrm>
+            <a:off x="444931" y="4697835"/>
+            <a:ext cx="11201400" cy="1733962"/>
+          </a:xfrm>
+        </p:spPr>
+        <p:txBody>
+          <a:bodyPr/>
+          <a:lstStyle/>
+          <a:p>
+            <a:pPr marL="342900" indent="-342900">
+              <a:buFont typeface="Arial" panose="020B0604020202020204" pitchFamily="34" charset="0"/>
+              <a:buChar char="•"/>
+            </a:pPr>
+            <a:endParaRPr lang="en-US" dirty="0"/>
+          </a:p>
+          <a:p>
+            <a:pPr marL="800100" lvl="1" indent="-342900">
+              <a:buFont typeface="Arial" panose="020B0604020202020204" pitchFamily="34" charset="0"/>
+              <a:buChar char="•"/>
+            </a:pPr>
+            <a:endParaRPr lang="en-US" sz="2900" dirty="0"/>
+          </a:p>
+        </p:txBody>
+      </p:sp>
+    </p:spTree>
+    <p:extLst>
+      <p:ext uri="{BB962C8B-B14F-4D97-AF65-F5344CB8AC3E}">
+        <p14:creationId xmlns:p14="http://schemas.microsoft.com/office/powerpoint/2010/main" val="601635197"/>
+      </p:ext>
+    </p:extLst>
+  </p:cSld>
+  <p:clrMapOvr>
+    <a:masterClrMapping/>
+  </p:clrMapOvr>
+</p:sld>
+</file>
+
 <file path=ppt/slides/slide7.xml><?xml version="1.0" encoding="utf-8"?>
 <p:sld xmlns:a="http://schemas.openxmlformats.org/drawingml/2006/main" xmlns:r="http://schemas.openxmlformats.org/officeDocument/2006/relationships" xmlns:p="http://schemas.openxmlformats.org/presentationml/2006/main">
   <p:cSld>

--- a/Inception_Phase.pptx
+++ b/Inception_Phase.pptx
@@ -53,19 +53,20 @@
     <p:sldId id="304" r:id="rId47"/>
     <p:sldId id="305" r:id="rId48"/>
     <p:sldId id="306" r:id="rId49"/>
-    <p:sldId id="307" r:id="rId50"/>
-    <p:sldId id="308" r:id="rId51"/>
-    <p:sldId id="309" r:id="rId52"/>
-    <p:sldId id="310" r:id="rId53"/>
-    <p:sldId id="311" r:id="rId54"/>
-    <p:sldId id="312" r:id="rId55"/>
-    <p:sldId id="313" r:id="rId56"/>
-    <p:sldId id="314" r:id="rId57"/>
-    <p:sldId id="315" r:id="rId58"/>
-    <p:sldId id="316" r:id="rId59"/>
-    <p:sldId id="317" r:id="rId60"/>
-    <p:sldId id="318" r:id="rId61"/>
-    <p:sldId id="320" r:id="rId62"/>
+    <p:sldId id="321" r:id="rId50"/>
+    <p:sldId id="307" r:id="rId51"/>
+    <p:sldId id="308" r:id="rId52"/>
+    <p:sldId id="309" r:id="rId53"/>
+    <p:sldId id="310" r:id="rId54"/>
+    <p:sldId id="311" r:id="rId55"/>
+    <p:sldId id="312" r:id="rId56"/>
+    <p:sldId id="313" r:id="rId57"/>
+    <p:sldId id="314" r:id="rId58"/>
+    <p:sldId id="315" r:id="rId59"/>
+    <p:sldId id="316" r:id="rId60"/>
+    <p:sldId id="317" r:id="rId61"/>
+    <p:sldId id="318" r:id="rId62"/>
+    <p:sldId id="320" r:id="rId63"/>
   </p:sldIdLst>
   <p:sldSz cx="12192000" cy="6858000"/>
   <p:notesSz cx="6858000" cy="9144000"/>
@@ -165,6 +166,18 @@
     </a:lvl9pPr>
   </p:defaultTextStyle>
 </p:presentation>
+</file>
+
+<file path=ppt/commentAuthors.xml><?xml version="1.0" encoding="utf-8"?>
+<p:cmAuthorLst xmlns:a="http://schemas.openxmlformats.org/drawingml/2006/main" xmlns:r="http://schemas.openxmlformats.org/officeDocument/2006/relationships" xmlns:p="http://schemas.openxmlformats.org/presentationml/2006/main">
+  <p:cmAuthor id="1" name="Mike Juarez-Sweeney" initials="MJ" lastIdx="0" clrIdx="0">
+    <p:extLst>
+      <p:ext uri="{19B8F6BF-5375-455C-9EA6-DF929625EA0E}">
+        <p15:presenceInfo xmlns:p15="http://schemas.microsoft.com/office/powerpoint/2012/main" userId="1719803979f2f0d5" providerId="Windows Live"/>
+      </p:ext>
+    </p:extLst>
+  </p:cmAuthor>
+</p:cmAuthorLst>
 </file>
 
 <file path=ppt/slideLayouts/slideLayout1.xml><?xml version="1.0" encoding="utf-8"?>
@@ -11134,58 +11147,28 @@
         </p:nvSpPr>
         <p:spPr>
           <a:xfrm>
-            <a:off x="444931" y="582621"/>
-            <a:ext cx="11057395" cy="968357"/>
+            <a:off x="2573835" y="613896"/>
+            <a:ext cx="6574544" cy="365335"/>
           </a:xfrm>
         </p:spPr>
         <p:txBody>
           <a:bodyPr>
-            <a:normAutofit/>
+            <a:noAutofit/>
           </a:bodyPr>
           <a:lstStyle/>
           <a:p>
             <a:pPr algn="ctr"/>
             <a:r>
-              <a:rPr lang="en-US" dirty="0"/>
+              <a:rPr lang="en-US" sz="3200" dirty="0"/>
               <a:t>Initial use case</a:t>
             </a:r>
           </a:p>
         </p:txBody>
       </p:sp>
-      <p:pic>
-        <p:nvPicPr>
-          <p:cNvPr id="4" name="Picture 3">
-            <a:extLst>
-              <a:ext uri="{FF2B5EF4-FFF2-40B4-BE49-F238E27FC236}">
-                <a16:creationId xmlns:a16="http://schemas.microsoft.com/office/drawing/2014/main" id="{CD5D4DFE-73BA-4B3D-9CB0-CC02B8DE7B45}"/>
-              </a:ext>
-            </a:extLst>
-          </p:cNvPr>
-          <p:cNvPicPr>
-            <a:picLocks noChangeAspect="1"/>
-          </p:cNvPicPr>
-          <p:nvPr/>
-        </p:nvPicPr>
-        <p:blipFill>
-          <a:blip r:embed="rId2"/>
-          <a:stretch>
-            <a:fillRect/>
-          </a:stretch>
-        </p:blipFill>
-        <p:spPr>
-          <a:xfrm>
-            <a:off x="2410065" y="1550978"/>
-            <a:ext cx="7371869" cy="5143840"/>
-          </a:xfrm>
-          <a:prstGeom prst="rect">
-            <a:avLst/>
-          </a:prstGeom>
-        </p:spPr>
-      </p:pic>
     </p:spTree>
     <p:extLst>
       <p:ext uri="{BB962C8B-B14F-4D97-AF65-F5344CB8AC3E}">
-        <p14:creationId xmlns:p14="http://schemas.microsoft.com/office/powerpoint/2010/main" val="2004634211"/>
+        <p14:creationId xmlns:p14="http://schemas.microsoft.com/office/powerpoint/2010/main" val="3670361368"/>
       </p:ext>
     </p:extLst>
   </p:cSld>
@@ -11371,69 +11354,171 @@
         </p:nvSpPr>
         <p:spPr>
           <a:xfrm>
-            <a:off x="588936" y="582621"/>
-            <a:ext cx="11057395" cy="968357"/>
+            <a:off x="2573835" y="613896"/>
+            <a:ext cx="6574544" cy="365335"/>
           </a:xfrm>
         </p:spPr>
         <p:txBody>
           <a:bodyPr>
-            <a:normAutofit/>
+            <a:noAutofit/>
           </a:bodyPr>
           <a:lstStyle/>
           <a:p>
             <a:pPr algn="ctr"/>
             <a:r>
-              <a:rPr lang="en-US" dirty="0"/>
-              <a:t>Hardware requirements</a:t>
-            </a:r>
-          </a:p>
-        </p:txBody>
-      </p:sp>
-      <p:sp>
-        <p:nvSpPr>
-          <p:cNvPr id="3" name="Subtitle 2">
+              <a:rPr lang="en-US" sz="3200" dirty="0"/>
+              <a:t>Initial use case</a:t>
+            </a:r>
+          </a:p>
+        </p:txBody>
+      </p:sp>
+      <p:pic>
+        <p:nvPicPr>
+          <p:cNvPr id="4" name="Picture 3">
             <a:extLst>
               <a:ext uri="{FF2B5EF4-FFF2-40B4-BE49-F238E27FC236}">
-                <a16:creationId xmlns:a16="http://schemas.microsoft.com/office/drawing/2014/main" id="{F636DC56-77FD-40B9-A847-713087396E83}"/>
+                <a16:creationId xmlns:a16="http://schemas.microsoft.com/office/drawing/2014/main" id="{CD5D4DFE-73BA-4B3D-9CB0-CC02B8DE7B45}"/>
               </a:ext>
             </a:extLst>
           </p:cNvPr>
-          <p:cNvSpPr>
-            <a:spLocks noGrp="1"/>
-          </p:cNvSpPr>
-          <p:nvPr>
-            <p:ph type="subTitle" idx="1"/>
-          </p:nvPr>
-        </p:nvSpPr>
-        <p:spPr>
-          <a:xfrm>
-            <a:off x="444931" y="1813589"/>
-            <a:ext cx="11201400" cy="4618208"/>
-          </a:xfrm>
-        </p:spPr>
-        <p:txBody>
-          <a:bodyPr/>
-          <a:lstStyle/>
-          <a:p>
-            <a:pPr marL="342900" indent="-342900">
-              <a:buFont typeface="Arial" panose="020B0604020202020204" pitchFamily="34" charset="0"/>
-              <a:buChar char="•"/>
-            </a:pPr>
-            <a:endParaRPr lang="en-US" dirty="0"/>
-          </a:p>
-          <a:p>
-            <a:pPr marL="800100" lvl="1" indent="-342900">
-              <a:buFont typeface="Arial" panose="020B0604020202020204" pitchFamily="34" charset="0"/>
-              <a:buChar char="•"/>
-            </a:pPr>
-            <a:endParaRPr lang="en-US" sz="2900" dirty="0"/>
+          <p:cNvPicPr>
+            <a:picLocks noChangeAspect="1"/>
+          </p:cNvPicPr>
+          <p:nvPr/>
+        </p:nvPicPr>
+        <p:blipFill>
+          <a:blip r:embed="rId2"/>
+          <a:stretch>
+            <a:fillRect/>
+          </a:stretch>
+        </p:blipFill>
+        <p:spPr>
+          <a:xfrm>
+            <a:off x="2175173" y="1190252"/>
+            <a:ext cx="7371869" cy="5143840"/>
+          </a:xfrm>
+          <a:prstGeom prst="rect">
+            <a:avLst/>
+          </a:prstGeom>
+        </p:spPr>
+      </p:pic>
+      <p:sp>
+        <p:nvSpPr>
+          <p:cNvPr id="9" name="Title 1">
+            <a:extLst>
+              <a:ext uri="{FF2B5EF4-FFF2-40B4-BE49-F238E27FC236}">
+                <a16:creationId xmlns:a16="http://schemas.microsoft.com/office/drawing/2014/main" id="{B41598A8-7A09-4A09-93CC-EB431CD20F8C}"/>
+              </a:ext>
+            </a:extLst>
+          </p:cNvPr>
+          <p:cNvSpPr txBox="1">
+            <a:spLocks/>
+          </p:cNvSpPr>
+          <p:nvPr/>
+        </p:nvSpPr>
+        <p:spPr>
+          <a:xfrm>
+            <a:off x="1887474" y="6294438"/>
+            <a:ext cx="6574544" cy="365335"/>
+          </a:xfrm>
+          <a:prstGeom prst="rect">
+            <a:avLst/>
+          </a:prstGeom>
+          <a:effectLst/>
+        </p:spPr>
+        <p:txBody>
+          <a:bodyPr vert="horz" lIns="91440" tIns="45720" rIns="91440" bIns="45720" rtlCol="0" anchor="b">
+            <a:normAutofit/>
+          </a:bodyPr>
+          <a:lstStyle>
+            <a:lvl1pPr algn="l" defTabSz="457200" rtl="0" eaLnBrk="1" latinLnBrk="0" hangingPunct="1">
+              <a:spcBef>
+                <a:spcPct val="0"/>
+              </a:spcBef>
+              <a:buNone/>
+              <a:defRPr sz="4800" kern="1200" cap="all">
+                <a:ln w="3175" cmpd="sng">
+                  <a:noFill/>
+                </a:ln>
+                <a:solidFill>
+                  <a:schemeClr val="tx1"/>
+                </a:solidFill>
+                <a:effectLst/>
+                <a:latin typeface="+mj-lt"/>
+                <a:ea typeface="+mj-ea"/>
+                <a:cs typeface="+mj-cs"/>
+              </a:defRPr>
+            </a:lvl1pPr>
+            <a:lvl2pPr eaLnBrk="1" hangingPunct="1">
+              <a:defRPr>
+                <a:solidFill>
+                  <a:schemeClr val="tx2"/>
+                </a:solidFill>
+              </a:defRPr>
+            </a:lvl2pPr>
+            <a:lvl3pPr eaLnBrk="1" hangingPunct="1">
+              <a:defRPr>
+                <a:solidFill>
+                  <a:schemeClr val="tx2"/>
+                </a:solidFill>
+              </a:defRPr>
+            </a:lvl3pPr>
+            <a:lvl4pPr eaLnBrk="1" hangingPunct="1">
+              <a:defRPr>
+                <a:solidFill>
+                  <a:schemeClr val="tx2"/>
+                </a:solidFill>
+              </a:defRPr>
+            </a:lvl4pPr>
+            <a:lvl5pPr eaLnBrk="1" hangingPunct="1">
+              <a:defRPr>
+                <a:solidFill>
+                  <a:schemeClr val="tx2"/>
+                </a:solidFill>
+              </a:defRPr>
+            </a:lvl5pPr>
+            <a:lvl6pPr eaLnBrk="1" hangingPunct="1">
+              <a:defRPr>
+                <a:solidFill>
+                  <a:schemeClr val="tx2"/>
+                </a:solidFill>
+              </a:defRPr>
+            </a:lvl6pPr>
+            <a:lvl7pPr eaLnBrk="1" hangingPunct="1">
+              <a:defRPr>
+                <a:solidFill>
+                  <a:schemeClr val="tx2"/>
+                </a:solidFill>
+              </a:defRPr>
+            </a:lvl7pPr>
+            <a:lvl8pPr eaLnBrk="1" hangingPunct="1">
+              <a:defRPr>
+                <a:solidFill>
+                  <a:schemeClr val="tx2"/>
+                </a:solidFill>
+              </a:defRPr>
+            </a:lvl8pPr>
+            <a:lvl9pPr eaLnBrk="1" hangingPunct="1">
+              <a:defRPr>
+                <a:solidFill>
+                  <a:schemeClr val="tx2"/>
+                </a:solidFill>
+              </a:defRPr>
+            </a:lvl9pPr>
+          </a:lstStyle>
+          <a:p>
+            <a:pPr algn="ctr"/>
+            <a:r>
+              <a:rPr lang="en-US" sz="1600" dirty="0"/>
+              <a:t>Fig. 1: Initial use case</a:t>
+            </a:r>
           </a:p>
         </p:txBody>
       </p:sp>
     </p:spTree>
     <p:extLst>
       <p:ext uri="{BB962C8B-B14F-4D97-AF65-F5344CB8AC3E}">
-        <p14:creationId xmlns:p14="http://schemas.microsoft.com/office/powerpoint/2010/main" val="1678752315"/>
+        <p14:creationId xmlns:p14="http://schemas.microsoft.com/office/powerpoint/2010/main" val="2004634211"/>
       </p:ext>
     </p:extLst>
   </p:cSld>
@@ -11529,16 +11614,6 @@
             <a:endParaRPr lang="en-US" dirty="0"/>
           </a:p>
           <a:p>
-            <a:pPr marL="342900" indent="-342900">
-              <a:buFont typeface="Arial" panose="020B0604020202020204" pitchFamily="34" charset="0"/>
-              <a:buChar char="•"/>
-            </a:pPr>
-            <a:r>
-              <a:rPr lang="en-US" sz="3200" dirty="0"/>
-              <a:t>Minimal hardware initially</a:t>
-            </a:r>
-          </a:p>
-          <a:p>
             <a:pPr marL="800100" lvl="1" indent="-342900">
               <a:buFont typeface="Arial" panose="020B0604020202020204" pitchFamily="34" charset="0"/>
               <a:buChar char="•"/>
@@ -11550,7 +11625,7 @@
     </p:spTree>
     <p:extLst>
       <p:ext uri="{BB962C8B-B14F-4D97-AF65-F5344CB8AC3E}">
-        <p14:creationId xmlns:p14="http://schemas.microsoft.com/office/powerpoint/2010/main" val="1782320449"/>
+        <p14:creationId xmlns:p14="http://schemas.microsoft.com/office/powerpoint/2010/main" val="1678752315"/>
       </p:ext>
     </p:extLst>
   </p:cSld>
@@ -11656,16 +11731,6 @@
             </a:r>
           </a:p>
           <a:p>
-            <a:pPr marL="800100" lvl="1" indent="-342900" algn="l">
-              <a:buFont typeface="Arial" panose="020B0604020202020204" pitchFamily="34" charset="0"/>
-              <a:buChar char="•"/>
-            </a:pPr>
-            <a:r>
-              <a:rPr lang="en-US" sz="2600" dirty="0"/>
-              <a:t>Pay to host through cloud computing service</a:t>
-            </a:r>
-          </a:p>
-          <a:p>
             <a:pPr marL="800100" lvl="1" indent="-342900">
               <a:buFont typeface="Arial" panose="020B0604020202020204" pitchFamily="34" charset="0"/>
               <a:buChar char="•"/>
@@ -11677,7 +11742,7 @@
     </p:spTree>
     <p:extLst>
       <p:ext uri="{BB962C8B-B14F-4D97-AF65-F5344CB8AC3E}">
-        <p14:creationId xmlns:p14="http://schemas.microsoft.com/office/powerpoint/2010/main" val="4225978753"/>
+        <p14:creationId xmlns:p14="http://schemas.microsoft.com/office/powerpoint/2010/main" val="1782320449"/>
       </p:ext>
     </p:extLst>
   </p:cSld>
@@ -11793,16 +11858,6 @@
             </a:r>
           </a:p>
           <a:p>
-            <a:pPr marL="800100" lvl="1" indent="-342900" algn="l">
-              <a:buFont typeface="Arial" panose="020B0604020202020204" pitchFamily="34" charset="0"/>
-              <a:buChar char="•"/>
-            </a:pPr>
-            <a:r>
-              <a:rPr lang="en-US" sz="2600" dirty="0"/>
-              <a:t>Potential onsite server if growth allows for it</a:t>
-            </a:r>
-          </a:p>
-          <a:p>
             <a:pPr marL="800100" lvl="1" indent="-342900">
               <a:buFont typeface="Arial" panose="020B0604020202020204" pitchFamily="34" charset="0"/>
               <a:buChar char="•"/>
@@ -11814,7 +11869,7 @@
     </p:spTree>
     <p:extLst>
       <p:ext uri="{BB962C8B-B14F-4D97-AF65-F5344CB8AC3E}">
-        <p14:creationId xmlns:p14="http://schemas.microsoft.com/office/powerpoint/2010/main" val="3887514176"/>
+        <p14:creationId xmlns:p14="http://schemas.microsoft.com/office/powerpoint/2010/main" val="4225978753"/>
       </p:ext>
     </p:extLst>
   </p:cSld>
@@ -11872,7 +11927,7 @@
             <a:pPr algn="ctr"/>
             <a:r>
               <a:rPr lang="en-US" dirty="0"/>
-              <a:t>Software requirements</a:t>
+              <a:t>Hardware requirements</a:t>
             </a:r>
           </a:p>
         </p:txBody>
@@ -11910,6 +11965,36 @@
             <a:endParaRPr lang="en-US" dirty="0"/>
           </a:p>
           <a:p>
+            <a:pPr marL="342900" indent="-342900">
+              <a:buFont typeface="Arial" panose="020B0604020202020204" pitchFamily="34" charset="0"/>
+              <a:buChar char="•"/>
+            </a:pPr>
+            <a:r>
+              <a:rPr lang="en-US" sz="3200" dirty="0"/>
+              <a:t>Minimal hardware initially</a:t>
+            </a:r>
+          </a:p>
+          <a:p>
+            <a:pPr marL="800100" lvl="1" indent="-342900" algn="l">
+              <a:buFont typeface="Arial" panose="020B0604020202020204" pitchFamily="34" charset="0"/>
+              <a:buChar char="•"/>
+            </a:pPr>
+            <a:r>
+              <a:rPr lang="en-US" sz="2600" dirty="0"/>
+              <a:t>Pay to host through cloud computing service</a:t>
+            </a:r>
+          </a:p>
+          <a:p>
+            <a:pPr marL="800100" lvl="1" indent="-342900" algn="l">
+              <a:buFont typeface="Arial" panose="020B0604020202020204" pitchFamily="34" charset="0"/>
+              <a:buChar char="•"/>
+            </a:pPr>
+            <a:r>
+              <a:rPr lang="en-US" sz="2600" dirty="0"/>
+              <a:t>Potential onsite server if growth allows for it</a:t>
+            </a:r>
+          </a:p>
+          <a:p>
             <a:pPr marL="800100" lvl="1" indent="-342900">
               <a:buFont typeface="Arial" panose="020B0604020202020204" pitchFamily="34" charset="0"/>
               <a:buChar char="•"/>
@@ -11921,7 +12006,7 @@
     </p:spTree>
     <p:extLst>
       <p:ext uri="{BB962C8B-B14F-4D97-AF65-F5344CB8AC3E}">
-        <p14:creationId xmlns:p14="http://schemas.microsoft.com/office/powerpoint/2010/main" val="1737905685"/>
+        <p14:creationId xmlns:p14="http://schemas.microsoft.com/office/powerpoint/2010/main" val="3887514176"/>
       </p:ext>
     </p:extLst>
   </p:cSld>
@@ -12017,16 +12102,6 @@
             <a:endParaRPr lang="en-US" dirty="0"/>
           </a:p>
           <a:p>
-            <a:pPr marL="342900" indent="-342900">
-              <a:buFont typeface="Arial" panose="020B0604020202020204" pitchFamily="34" charset="0"/>
-              <a:buChar char="•"/>
-            </a:pPr>
-            <a:r>
-              <a:rPr lang="en-US" sz="3200" dirty="0"/>
-              <a:t>Software used to create and implement application</a:t>
-            </a:r>
-          </a:p>
-          <a:p>
             <a:pPr marL="800100" lvl="1" indent="-342900">
               <a:buFont typeface="Arial" panose="020B0604020202020204" pitchFamily="34" charset="0"/>
               <a:buChar char="•"/>
@@ -12038,7 +12113,7 @@
     </p:spTree>
     <p:extLst>
       <p:ext uri="{BB962C8B-B14F-4D97-AF65-F5344CB8AC3E}">
-        <p14:creationId xmlns:p14="http://schemas.microsoft.com/office/powerpoint/2010/main" val="3272546078"/>
+        <p14:creationId xmlns:p14="http://schemas.microsoft.com/office/powerpoint/2010/main" val="1737905685"/>
       </p:ext>
     </p:extLst>
   </p:cSld>
@@ -12144,16 +12219,6 @@
             </a:r>
           </a:p>
           <a:p>
-            <a:pPr marL="800100" lvl="1" indent="-342900" algn="l">
-              <a:buFont typeface="Arial" panose="020B0604020202020204" pitchFamily="34" charset="0"/>
-              <a:buChar char="•"/>
-            </a:pPr>
-            <a:r>
-              <a:rPr lang="en-US" sz="2900" dirty="0"/>
-              <a:t>HTML</a:t>
-            </a:r>
-          </a:p>
-          <a:p>
             <a:pPr marL="800100" lvl="1" indent="-342900">
               <a:buFont typeface="Arial" panose="020B0604020202020204" pitchFamily="34" charset="0"/>
               <a:buChar char="•"/>
@@ -12165,7 +12230,7 @@
     </p:spTree>
     <p:extLst>
       <p:ext uri="{BB962C8B-B14F-4D97-AF65-F5344CB8AC3E}">
-        <p14:creationId xmlns:p14="http://schemas.microsoft.com/office/powerpoint/2010/main" val="2880767057"/>
+        <p14:creationId xmlns:p14="http://schemas.microsoft.com/office/powerpoint/2010/main" val="3272546078"/>
       </p:ext>
     </p:extLst>
   </p:cSld>
@@ -12281,16 +12346,6 @@
             </a:r>
           </a:p>
           <a:p>
-            <a:pPr marL="800100" lvl="1" indent="-342900" algn="l">
-              <a:buFont typeface="Arial" panose="020B0604020202020204" pitchFamily="34" charset="0"/>
-              <a:buChar char="•"/>
-            </a:pPr>
-            <a:r>
-              <a:rPr lang="en-US" sz="2900" dirty="0"/>
-              <a:t>JavaScript</a:t>
-            </a:r>
-          </a:p>
-          <a:p>
             <a:pPr marL="800100" lvl="1" indent="-342900">
               <a:buFont typeface="Arial" panose="020B0604020202020204" pitchFamily="34" charset="0"/>
               <a:buChar char="•"/>
@@ -12302,7 +12357,7 @@
     </p:spTree>
     <p:extLst>
       <p:ext uri="{BB962C8B-B14F-4D97-AF65-F5344CB8AC3E}">
-        <p14:creationId xmlns:p14="http://schemas.microsoft.com/office/powerpoint/2010/main" val="2413986742"/>
+        <p14:creationId xmlns:p14="http://schemas.microsoft.com/office/powerpoint/2010/main" val="2880767057"/>
       </p:ext>
     </p:extLst>
   </p:cSld>
@@ -12428,16 +12483,6 @@
             </a:r>
           </a:p>
           <a:p>
-            <a:pPr marL="800100" lvl="1" indent="-342900" algn="l">
-              <a:buFont typeface="Arial" panose="020B0604020202020204" pitchFamily="34" charset="0"/>
-              <a:buChar char="•"/>
-            </a:pPr>
-            <a:r>
-              <a:rPr lang="en-US" sz="2900" dirty="0"/>
-              <a:t>CSS</a:t>
-            </a:r>
-          </a:p>
-          <a:p>
             <a:pPr marL="800100" lvl="1" indent="-342900">
               <a:buFont typeface="Arial" panose="020B0604020202020204" pitchFamily="34" charset="0"/>
               <a:buChar char="•"/>
@@ -12449,7 +12494,7 @@
     </p:spTree>
     <p:extLst>
       <p:ext uri="{BB962C8B-B14F-4D97-AF65-F5344CB8AC3E}">
-        <p14:creationId xmlns:p14="http://schemas.microsoft.com/office/powerpoint/2010/main" val="1631643755"/>
+        <p14:creationId xmlns:p14="http://schemas.microsoft.com/office/powerpoint/2010/main" val="2413986742"/>
       </p:ext>
     </p:extLst>
   </p:cSld>
@@ -12585,16 +12630,6 @@
             </a:r>
           </a:p>
           <a:p>
-            <a:pPr marL="800100" lvl="1" indent="-342900" algn="l">
-              <a:buFont typeface="Arial" panose="020B0604020202020204" pitchFamily="34" charset="0"/>
-              <a:buChar char="•"/>
-            </a:pPr>
-            <a:r>
-              <a:rPr lang="en-US" sz="2900" dirty="0"/>
-              <a:t>SQL</a:t>
-            </a:r>
-          </a:p>
-          <a:p>
             <a:pPr marL="800100" lvl="1" indent="-342900">
               <a:buFont typeface="Arial" panose="020B0604020202020204" pitchFamily="34" charset="0"/>
               <a:buChar char="•"/>
@@ -12606,7 +12641,7 @@
     </p:spTree>
     <p:extLst>
       <p:ext uri="{BB962C8B-B14F-4D97-AF65-F5344CB8AC3E}">
-        <p14:creationId xmlns:p14="http://schemas.microsoft.com/office/powerpoint/2010/main" val="297686876"/>
+        <p14:creationId xmlns:p14="http://schemas.microsoft.com/office/powerpoint/2010/main" val="1631643755"/>
       </p:ext>
     </p:extLst>
   </p:cSld>
@@ -12867,6 +12902,163 @@
             </a:r>
           </a:p>
           <a:p>
+            <a:pPr marL="800100" lvl="1" indent="-342900">
+              <a:buFont typeface="Arial" panose="020B0604020202020204" pitchFamily="34" charset="0"/>
+              <a:buChar char="•"/>
+            </a:pPr>
+            <a:endParaRPr lang="en-US" sz="2900" dirty="0"/>
+          </a:p>
+        </p:txBody>
+      </p:sp>
+    </p:spTree>
+    <p:extLst>
+      <p:ext uri="{BB962C8B-B14F-4D97-AF65-F5344CB8AC3E}">
+        <p14:creationId xmlns:p14="http://schemas.microsoft.com/office/powerpoint/2010/main" val="297686876"/>
+      </p:ext>
+    </p:extLst>
+  </p:cSld>
+  <p:clrMapOvr>
+    <a:masterClrMapping/>
+  </p:clrMapOvr>
+</p:sld>
+</file>
+
+<file path=ppt/slides/slide61.xml><?xml version="1.0" encoding="utf-8"?>
+<p:sld xmlns:a="http://schemas.openxmlformats.org/drawingml/2006/main" xmlns:r="http://schemas.openxmlformats.org/officeDocument/2006/relationships" xmlns:p="http://schemas.openxmlformats.org/presentationml/2006/main">
+  <p:cSld>
+    <p:spTree>
+      <p:nvGrpSpPr>
+        <p:cNvPr id="1" name=""/>
+        <p:cNvGrpSpPr/>
+        <p:nvPr/>
+      </p:nvGrpSpPr>
+      <p:grpSpPr>
+        <a:xfrm>
+          <a:off x="0" y="0"/>
+          <a:ext cx="0" cy="0"/>
+          <a:chOff x="0" y="0"/>
+          <a:chExt cx="0" cy="0"/>
+        </a:xfrm>
+      </p:grpSpPr>
+      <p:sp>
+        <p:nvSpPr>
+          <p:cNvPr id="2" name="Title 1">
+            <a:extLst>
+              <a:ext uri="{FF2B5EF4-FFF2-40B4-BE49-F238E27FC236}">
+                <a16:creationId xmlns:a16="http://schemas.microsoft.com/office/drawing/2014/main" id="{F0A34FF6-4757-48B1-BDBF-ACDABE13BC58}"/>
+              </a:ext>
+            </a:extLst>
+          </p:cNvPr>
+          <p:cNvSpPr>
+            <a:spLocks noGrp="1"/>
+          </p:cNvSpPr>
+          <p:nvPr>
+            <p:ph type="ctrTitle"/>
+          </p:nvPr>
+        </p:nvSpPr>
+        <p:spPr>
+          <a:xfrm>
+            <a:off x="588936" y="582621"/>
+            <a:ext cx="11057395" cy="968357"/>
+          </a:xfrm>
+        </p:spPr>
+        <p:txBody>
+          <a:bodyPr>
+            <a:normAutofit/>
+          </a:bodyPr>
+          <a:lstStyle/>
+          <a:p>
+            <a:pPr algn="ctr"/>
+            <a:r>
+              <a:rPr lang="en-US" dirty="0"/>
+              <a:t>Software requirements</a:t>
+            </a:r>
+          </a:p>
+        </p:txBody>
+      </p:sp>
+      <p:sp>
+        <p:nvSpPr>
+          <p:cNvPr id="3" name="Subtitle 2">
+            <a:extLst>
+              <a:ext uri="{FF2B5EF4-FFF2-40B4-BE49-F238E27FC236}">
+                <a16:creationId xmlns:a16="http://schemas.microsoft.com/office/drawing/2014/main" id="{F636DC56-77FD-40B9-A847-713087396E83}"/>
+              </a:ext>
+            </a:extLst>
+          </p:cNvPr>
+          <p:cNvSpPr>
+            <a:spLocks noGrp="1"/>
+          </p:cNvSpPr>
+          <p:nvPr>
+            <p:ph type="subTitle" idx="1"/>
+          </p:nvPr>
+        </p:nvSpPr>
+        <p:spPr>
+          <a:xfrm>
+            <a:off x="444931" y="1813589"/>
+            <a:ext cx="11201400" cy="4618208"/>
+          </a:xfrm>
+        </p:spPr>
+        <p:txBody>
+          <a:bodyPr/>
+          <a:lstStyle/>
+          <a:p>
+            <a:pPr marL="342900" indent="-342900">
+              <a:buFont typeface="Arial" panose="020B0604020202020204" pitchFamily="34" charset="0"/>
+              <a:buChar char="•"/>
+            </a:pPr>
+            <a:endParaRPr lang="en-US" dirty="0"/>
+          </a:p>
+          <a:p>
+            <a:pPr marL="342900" indent="-342900">
+              <a:buFont typeface="Arial" panose="020B0604020202020204" pitchFamily="34" charset="0"/>
+              <a:buChar char="•"/>
+            </a:pPr>
+            <a:r>
+              <a:rPr lang="en-US" sz="3200" dirty="0"/>
+              <a:t>Software used to create and implement application</a:t>
+            </a:r>
+          </a:p>
+          <a:p>
+            <a:pPr marL="800100" lvl="1" indent="-342900" algn="l">
+              <a:buFont typeface="Arial" panose="020B0604020202020204" pitchFamily="34" charset="0"/>
+              <a:buChar char="•"/>
+            </a:pPr>
+            <a:r>
+              <a:rPr lang="en-US" sz="2900" dirty="0"/>
+              <a:t>HTML</a:t>
+            </a:r>
+          </a:p>
+          <a:p>
+            <a:pPr marL="800100" lvl="1" indent="-342900" algn="l">
+              <a:buFont typeface="Arial" panose="020B0604020202020204" pitchFamily="34" charset="0"/>
+              <a:buChar char="•"/>
+            </a:pPr>
+            <a:r>
+              <a:rPr lang="en-US" sz="2900" dirty="0"/>
+              <a:t>JavaScript</a:t>
+            </a:r>
+          </a:p>
+          <a:p>
+            <a:pPr marL="800100" lvl="1" indent="-342900" algn="l">
+              <a:buFont typeface="Arial" panose="020B0604020202020204" pitchFamily="34" charset="0"/>
+              <a:buChar char="•"/>
+            </a:pPr>
+            <a:r>
+              <a:rPr lang="en-US" sz="2900" dirty="0"/>
+              <a:t>CSS</a:t>
+            </a:r>
+          </a:p>
+          <a:p>
+            <a:pPr marL="800100" lvl="1" indent="-342900" algn="l">
+              <a:buFont typeface="Arial" panose="020B0604020202020204" pitchFamily="34" charset="0"/>
+              <a:buChar char="•"/>
+            </a:pPr>
+            <a:r>
+              <a:rPr lang="en-US" sz="2900" dirty="0"/>
+              <a:t>SQL</a:t>
+            </a:r>
+          </a:p>
+          <a:p>
             <a:pPr marL="800100" lvl="1" indent="-342900" algn="l">
               <a:buFont typeface="Arial" panose="020B0604020202020204" pitchFamily="34" charset="0"/>
               <a:buChar char="•"/>
@@ -12898,7 +13090,7 @@
 </p:sld>
 </file>
 
-<file path=ppt/slides/slide61.xml><?xml version="1.0" encoding="utf-8"?>
+<file path=ppt/slides/slide62.xml><?xml version="1.0" encoding="utf-8"?>
 <p:sld xmlns:a="http://schemas.openxmlformats.org/drawingml/2006/main" xmlns:r="http://schemas.openxmlformats.org/officeDocument/2006/relationships" xmlns:p="http://schemas.openxmlformats.org/presentationml/2006/main">
   <p:cSld>
     <p:spTree>

--- a/Inception_Phase.pptx
+++ b/Inception_Phase.pptx
@@ -11372,36 +11372,6 @@
           </a:p>
         </p:txBody>
       </p:sp>
-      <p:pic>
-        <p:nvPicPr>
-          <p:cNvPr id="4" name="Picture 3">
-            <a:extLst>
-              <a:ext uri="{FF2B5EF4-FFF2-40B4-BE49-F238E27FC236}">
-                <a16:creationId xmlns:a16="http://schemas.microsoft.com/office/drawing/2014/main" id="{CD5D4DFE-73BA-4B3D-9CB0-CC02B8DE7B45}"/>
-              </a:ext>
-            </a:extLst>
-          </p:cNvPr>
-          <p:cNvPicPr>
-            <a:picLocks noChangeAspect="1"/>
-          </p:cNvPicPr>
-          <p:nvPr/>
-        </p:nvPicPr>
-        <p:blipFill>
-          <a:blip r:embed="rId2"/>
-          <a:stretch>
-            <a:fillRect/>
-          </a:stretch>
-        </p:blipFill>
-        <p:spPr>
-          <a:xfrm>
-            <a:off x="2175173" y="1190252"/>
-            <a:ext cx="7371869" cy="5143840"/>
-          </a:xfrm>
-          <a:prstGeom prst="rect">
-            <a:avLst/>
-          </a:prstGeom>
-        </p:spPr>
-      </p:pic>
       <p:sp>
         <p:nvSpPr>
           <p:cNvPr id="9" name="Title 1">
@@ -11515,6 +11485,36 @@
           </a:p>
         </p:txBody>
       </p:sp>
+      <p:pic>
+        <p:nvPicPr>
+          <p:cNvPr id="11" name="Picture 10">
+            <a:extLst>
+              <a:ext uri="{FF2B5EF4-FFF2-40B4-BE49-F238E27FC236}">
+                <a16:creationId xmlns:a16="http://schemas.microsoft.com/office/drawing/2014/main" id="{D812F0DE-45E3-482D-BE0B-9C21505667C8}"/>
+              </a:ext>
+            </a:extLst>
+          </p:cNvPr>
+          <p:cNvPicPr>
+            <a:picLocks noChangeAspect="1"/>
+          </p:cNvPicPr>
+          <p:nvPr/>
+        </p:nvPicPr>
+        <p:blipFill>
+          <a:blip r:embed="rId2"/>
+          <a:stretch>
+            <a:fillRect/>
+          </a:stretch>
+        </p:blipFill>
+        <p:spPr>
+          <a:xfrm>
+            <a:off x="2351144" y="1036638"/>
+            <a:ext cx="7019925" cy="5257800"/>
+          </a:xfrm>
+          <a:prstGeom prst="rect">
+            <a:avLst/>
+          </a:prstGeom>
+        </p:spPr>
+      </p:pic>
     </p:spTree>
     <p:extLst>
       <p:ext uri="{BB962C8B-B14F-4D97-AF65-F5344CB8AC3E}">

--- a/Inception_Phase.pptx
+++ b/Inception_Phase.pptx
@@ -11388,7 +11388,7 @@
         </p:nvSpPr>
         <p:spPr>
           <a:xfrm>
-            <a:off x="1887474" y="6294438"/>
+            <a:off x="2374035" y="6351331"/>
             <a:ext cx="6574544" cy="365335"/>
           </a:xfrm>
           <a:prstGeom prst="rect">
@@ -11487,10 +11487,10 @@
       </p:sp>
       <p:pic>
         <p:nvPicPr>
-          <p:cNvPr id="11" name="Picture 10">
+          <p:cNvPr id="13" name="Picture 12">
             <a:extLst>
               <a:ext uri="{FF2B5EF4-FFF2-40B4-BE49-F238E27FC236}">
-                <a16:creationId xmlns:a16="http://schemas.microsoft.com/office/drawing/2014/main" id="{D812F0DE-45E3-482D-BE0B-9C21505667C8}"/>
+                <a16:creationId xmlns:a16="http://schemas.microsoft.com/office/drawing/2014/main" id="{6E94A12C-AB6E-428D-8B29-0763FFCF900C}"/>
               </a:ext>
             </a:extLst>
           </p:cNvPr>
@@ -11507,8 +11507,8 @@
         </p:blipFill>
         <p:spPr>
           <a:xfrm>
-            <a:off x="2351144" y="1036638"/>
-            <a:ext cx="7019925" cy="5257800"/>
+            <a:off x="2734018" y="975696"/>
+            <a:ext cx="6723963" cy="5379170"/>
           </a:xfrm>
           <a:prstGeom prst="rect">
             <a:avLst/>

--- a/Inception_Phase.pptx
+++ b/Inception_Phase.pptx
@@ -11388,7 +11388,7 @@
         </p:nvSpPr>
         <p:spPr>
           <a:xfrm>
-            <a:off x="2374035" y="6351331"/>
+            <a:off x="2754373" y="6351331"/>
             <a:ext cx="6574544" cy="365335"/>
           </a:xfrm>
           <a:prstGeom prst="rect">
@@ -11487,10 +11487,10 @@
       </p:sp>
       <p:pic>
         <p:nvPicPr>
-          <p:cNvPr id="13" name="Picture 12">
+          <p:cNvPr id="16" name="Picture 15">
             <a:extLst>
               <a:ext uri="{FF2B5EF4-FFF2-40B4-BE49-F238E27FC236}">
-                <a16:creationId xmlns:a16="http://schemas.microsoft.com/office/drawing/2014/main" id="{6E94A12C-AB6E-428D-8B29-0763FFCF900C}"/>
+                <a16:creationId xmlns:a16="http://schemas.microsoft.com/office/drawing/2014/main" id="{D79704E2-623D-416B-9716-D8FC375B5543}"/>
               </a:ext>
             </a:extLst>
           </p:cNvPr>
@@ -11507,8 +11507,8 @@
         </p:blipFill>
         <p:spPr>
           <a:xfrm>
-            <a:off x="2734018" y="975696"/>
-            <a:ext cx="6723963" cy="5379170"/>
+            <a:off x="2863083" y="1049347"/>
+            <a:ext cx="6465834" cy="5301984"/>
           </a:xfrm>
           <a:prstGeom prst="rect">
             <a:avLst/>
